--- a/docs/Presentation.pptx
+++ b/docs/Presentation.pptx
@@ -5,8 +5,7 @@
     <p:sldMasterId id="2147483648" r:id="rId1"/>
   </p:sldMasterIdLst>
   <p:sldIdLst>
-    <p:sldId id="256" r:id="rId2"/>
-    <p:sldId id="257" r:id="rId3"/>
+    <p:sldId id="257" r:id="rId2"/>
   </p:sldIdLst>
   <p:sldSz cx="9144000" cy="6858000" type="screen4x3"/>
   <p:notesSz cx="6858000" cy="9144000"/>
@@ -289,7 +288,8 @@
           <a:p>
             <a:fld id="{8FC6C546-C1C1-4461-80D5-061A811E2C41}" type="datetimeFigureOut">
               <a:rPr lang="en-US" smtClean="0"/>
-              <a:t>2/20/2011</a:t>
+              <a:pPr/>
+              <a:t>3/7/2011</a:t>
             </a:fld>
             <a:endParaRPr lang="en-US"/>
           </a:p>
@@ -331,6 +331,7 @@
           <a:p>
             <a:fld id="{D7706D7A-21A5-42FE-B2DD-00E8B2A4C2EA}" type="slidenum">
               <a:rPr lang="en-US" smtClean="0"/>
+              <a:pPr/>
               <a:t>‹#›</a:t>
             </a:fld>
             <a:endParaRPr lang="en-US"/>
@@ -454,7 +455,8 @@
           <a:p>
             <a:fld id="{8FC6C546-C1C1-4461-80D5-061A811E2C41}" type="datetimeFigureOut">
               <a:rPr lang="en-US" smtClean="0"/>
-              <a:t>2/20/2011</a:t>
+              <a:pPr/>
+              <a:t>3/7/2011</a:t>
             </a:fld>
             <a:endParaRPr lang="en-US"/>
           </a:p>
@@ -496,6 +498,7 @@
           <a:p>
             <a:fld id="{D7706D7A-21A5-42FE-B2DD-00E8B2A4C2EA}" type="slidenum">
               <a:rPr lang="en-US" smtClean="0"/>
+              <a:pPr/>
               <a:t>‹#›</a:t>
             </a:fld>
             <a:endParaRPr lang="en-US"/>
@@ -629,7 +632,8 @@
           <a:p>
             <a:fld id="{8FC6C546-C1C1-4461-80D5-061A811E2C41}" type="datetimeFigureOut">
               <a:rPr lang="en-US" smtClean="0"/>
-              <a:t>2/20/2011</a:t>
+              <a:pPr/>
+              <a:t>3/7/2011</a:t>
             </a:fld>
             <a:endParaRPr lang="en-US"/>
           </a:p>
@@ -671,6 +675,7 @@
           <a:p>
             <a:fld id="{D7706D7A-21A5-42FE-B2DD-00E8B2A4C2EA}" type="slidenum">
               <a:rPr lang="en-US" smtClean="0"/>
+              <a:pPr/>
               <a:t>‹#›</a:t>
             </a:fld>
             <a:endParaRPr lang="en-US"/>
@@ -794,7 +799,8 @@
           <a:p>
             <a:fld id="{8FC6C546-C1C1-4461-80D5-061A811E2C41}" type="datetimeFigureOut">
               <a:rPr lang="en-US" smtClean="0"/>
-              <a:t>2/20/2011</a:t>
+              <a:pPr/>
+              <a:t>3/7/2011</a:t>
             </a:fld>
             <a:endParaRPr lang="en-US"/>
           </a:p>
@@ -836,6 +842,7 @@
           <a:p>
             <a:fld id="{D7706D7A-21A5-42FE-B2DD-00E8B2A4C2EA}" type="slidenum">
               <a:rPr lang="en-US" smtClean="0"/>
+              <a:pPr/>
               <a:t>‹#›</a:t>
             </a:fld>
             <a:endParaRPr lang="en-US"/>
@@ -1035,7 +1042,8 @@
           <a:p>
             <a:fld id="{8FC6C546-C1C1-4461-80D5-061A811E2C41}" type="datetimeFigureOut">
               <a:rPr lang="en-US" smtClean="0"/>
-              <a:t>2/20/2011</a:t>
+              <a:pPr/>
+              <a:t>3/7/2011</a:t>
             </a:fld>
             <a:endParaRPr lang="en-US"/>
           </a:p>
@@ -1077,6 +1085,7 @@
           <a:p>
             <a:fld id="{D7706D7A-21A5-42FE-B2DD-00E8B2A4C2EA}" type="slidenum">
               <a:rPr lang="en-US" smtClean="0"/>
+              <a:pPr/>
               <a:t>‹#›</a:t>
             </a:fld>
             <a:endParaRPr lang="en-US"/>
@@ -1318,7 +1327,8 @@
           <a:p>
             <a:fld id="{8FC6C546-C1C1-4461-80D5-061A811E2C41}" type="datetimeFigureOut">
               <a:rPr lang="en-US" smtClean="0"/>
-              <a:t>2/20/2011</a:t>
+              <a:pPr/>
+              <a:t>3/7/2011</a:t>
             </a:fld>
             <a:endParaRPr lang="en-US"/>
           </a:p>
@@ -1360,6 +1370,7 @@
           <a:p>
             <a:fld id="{D7706D7A-21A5-42FE-B2DD-00E8B2A4C2EA}" type="slidenum">
               <a:rPr lang="en-US" smtClean="0"/>
+              <a:pPr/>
               <a:t>‹#›</a:t>
             </a:fld>
             <a:endParaRPr lang="en-US"/>
@@ -1735,7 +1746,8 @@
           <a:p>
             <a:fld id="{8FC6C546-C1C1-4461-80D5-061A811E2C41}" type="datetimeFigureOut">
               <a:rPr lang="en-US" smtClean="0"/>
-              <a:t>2/20/2011</a:t>
+              <a:pPr/>
+              <a:t>3/7/2011</a:t>
             </a:fld>
             <a:endParaRPr lang="en-US"/>
           </a:p>
@@ -1777,6 +1789,7 @@
           <a:p>
             <a:fld id="{D7706D7A-21A5-42FE-B2DD-00E8B2A4C2EA}" type="slidenum">
               <a:rPr lang="en-US" smtClean="0"/>
+              <a:pPr/>
               <a:t>‹#›</a:t>
             </a:fld>
             <a:endParaRPr lang="en-US"/>
@@ -1848,7 +1861,8 @@
           <a:p>
             <a:fld id="{8FC6C546-C1C1-4461-80D5-061A811E2C41}" type="datetimeFigureOut">
               <a:rPr lang="en-US" smtClean="0"/>
-              <a:t>2/20/2011</a:t>
+              <a:pPr/>
+              <a:t>3/7/2011</a:t>
             </a:fld>
             <a:endParaRPr lang="en-US"/>
           </a:p>
@@ -1890,6 +1904,7 @@
           <a:p>
             <a:fld id="{D7706D7A-21A5-42FE-B2DD-00E8B2A4C2EA}" type="slidenum">
               <a:rPr lang="en-US" smtClean="0"/>
+              <a:pPr/>
               <a:t>‹#›</a:t>
             </a:fld>
             <a:endParaRPr lang="en-US"/>
@@ -1938,7 +1953,8 @@
           <a:p>
             <a:fld id="{8FC6C546-C1C1-4461-80D5-061A811E2C41}" type="datetimeFigureOut">
               <a:rPr lang="en-US" smtClean="0"/>
-              <a:t>2/20/2011</a:t>
+              <a:pPr/>
+              <a:t>3/7/2011</a:t>
             </a:fld>
             <a:endParaRPr lang="en-US"/>
           </a:p>
@@ -1980,6 +1996,7 @@
           <a:p>
             <a:fld id="{D7706D7A-21A5-42FE-B2DD-00E8B2A4C2EA}" type="slidenum">
               <a:rPr lang="en-US" smtClean="0"/>
+              <a:pPr/>
               <a:t>‹#›</a:t>
             </a:fld>
             <a:endParaRPr lang="en-US"/>
@@ -2210,7 +2227,8 @@
           <a:p>
             <a:fld id="{8FC6C546-C1C1-4461-80D5-061A811E2C41}" type="datetimeFigureOut">
               <a:rPr lang="en-US" smtClean="0"/>
-              <a:t>2/20/2011</a:t>
+              <a:pPr/>
+              <a:t>3/7/2011</a:t>
             </a:fld>
             <a:endParaRPr lang="en-US"/>
           </a:p>
@@ -2252,6 +2270,7 @@
           <a:p>
             <a:fld id="{D7706D7A-21A5-42FE-B2DD-00E8B2A4C2EA}" type="slidenum">
               <a:rPr lang="en-US" smtClean="0"/>
+              <a:pPr/>
               <a:t>‹#›</a:t>
             </a:fld>
             <a:endParaRPr lang="en-US"/>
@@ -2458,7 +2477,8 @@
           <a:p>
             <a:fld id="{8FC6C546-C1C1-4461-80D5-061A811E2C41}" type="datetimeFigureOut">
               <a:rPr lang="en-US" smtClean="0"/>
-              <a:t>2/20/2011</a:t>
+              <a:pPr/>
+              <a:t>3/7/2011</a:t>
             </a:fld>
             <a:endParaRPr lang="en-US"/>
           </a:p>
@@ -2500,6 +2520,7 @@
           <a:p>
             <a:fld id="{D7706D7A-21A5-42FE-B2DD-00E8B2A4C2EA}" type="slidenum">
               <a:rPr lang="en-US" smtClean="0"/>
+              <a:pPr/>
               <a:t>‹#›</a:t>
             </a:fld>
             <a:endParaRPr lang="en-US"/>
@@ -2666,7 +2687,8 @@
           <a:p>
             <a:fld id="{8FC6C546-C1C1-4461-80D5-061A811E2C41}" type="datetimeFigureOut">
               <a:rPr lang="en-US" smtClean="0"/>
-              <a:t>2/20/2011</a:t>
+              <a:pPr/>
+              <a:t>3/7/2011</a:t>
             </a:fld>
             <a:endParaRPr lang="en-US"/>
           </a:p>
@@ -2744,6 +2766,7 @@
           <a:p>
             <a:fld id="{D7706D7A-21A5-42FE-B2DD-00E8B2A4C2EA}" type="slidenum">
               <a:rPr lang="en-US" smtClean="0"/>
+              <a:pPr/>
               <a:t>‹#›</a:t>
             </a:fld>
             <a:endParaRPr lang="en-US"/>
@@ -3038,67 +3061,95 @@
       </p:grpSpPr>
       <p:sp>
         <p:nvSpPr>
-          <p:cNvPr id="2" name="Title 1"/>
-          <p:cNvSpPr>
-            <a:spLocks noGrp="1"/>
-          </p:cNvSpPr>
-          <p:nvPr>
-            <p:ph type="ctrTitle"/>
-          </p:nvPr>
-        </p:nvSpPr>
-        <p:spPr/>
-        <p:txBody>
-          <a:bodyPr/>
-          <a:lstStyle/>
-          <a:p>
-            <a:endParaRPr lang="en-US"/>
-          </a:p>
-        </p:txBody>
-      </p:sp>
-      <p:sp>
-        <p:nvSpPr>
-          <p:cNvPr id="3" name="Subtitle 2"/>
-          <p:cNvSpPr>
-            <a:spLocks noGrp="1"/>
-          </p:cNvSpPr>
-          <p:nvPr>
-            <p:ph type="subTitle" idx="1"/>
-          </p:nvPr>
-        </p:nvSpPr>
-        <p:spPr/>
-        <p:txBody>
-          <a:bodyPr/>
-          <a:lstStyle/>
-          <a:p>
-            <a:endParaRPr lang="en-US"/>
-          </a:p>
-        </p:txBody>
-      </p:sp>
-    </p:spTree>
-  </p:cSld>
-  <p:clrMapOvr>
-    <a:masterClrMapping/>
-  </p:clrMapOvr>
-</p:sld>
-</file>
-
-<file path=ppt/slides/slide2.xml><?xml version="1.0" encoding="utf-8"?>
-<p:sld xmlns:a="http://schemas.openxmlformats.org/drawingml/2006/main" xmlns:r="http://schemas.openxmlformats.org/officeDocument/2006/relationships" xmlns:p="http://schemas.openxmlformats.org/presentationml/2006/main">
-  <p:cSld>
-    <p:spTree>
-      <p:nvGrpSpPr>
-        <p:cNvPr id="1" name=""/>
-        <p:cNvGrpSpPr/>
-        <p:nvPr/>
-      </p:nvGrpSpPr>
-      <p:grpSpPr>
-        <a:xfrm>
-          <a:off x="0" y="0"/>
-          <a:ext cx="0" cy="0"/>
-          <a:chOff x="0" y="0"/>
-          <a:chExt cx="0" cy="0"/>
-        </a:xfrm>
-      </p:grpSpPr>
+          <p:cNvPr id="22" name="Rectangle 21"/>
+          <p:cNvSpPr/>
+          <p:nvPr/>
+        </p:nvSpPr>
+        <p:spPr>
+          <a:xfrm>
+            <a:off x="304800" y="152400"/>
+            <a:ext cx="3810000" cy="6019800"/>
+          </a:xfrm>
+          <a:prstGeom prst="rect">
+            <a:avLst/>
+          </a:prstGeom>
+          <a:solidFill>
+            <a:schemeClr val="accent1">
+              <a:lumMod val="60000"/>
+              <a:lumOff val="40000"/>
+            </a:schemeClr>
+          </a:solidFill>
+        </p:spPr>
+        <p:style>
+          <a:lnRef idx="2">
+            <a:schemeClr val="accent1">
+              <a:shade val="50000"/>
+            </a:schemeClr>
+          </a:lnRef>
+          <a:fillRef idx="1">
+            <a:schemeClr val="accent1"/>
+          </a:fillRef>
+          <a:effectRef idx="0">
+            <a:schemeClr val="accent1"/>
+          </a:effectRef>
+          <a:fontRef idx="minor">
+            <a:schemeClr val="lt1"/>
+          </a:fontRef>
+        </p:style>
+        <p:txBody>
+          <a:bodyPr rtlCol="0" anchor="ctr"/>
+          <a:lstStyle/>
+          <a:p>
+            <a:pPr algn="ctr"/>
+            <a:endParaRPr lang="en-US"/>
+          </a:p>
+        </p:txBody>
+      </p:sp>
+      <p:sp>
+        <p:nvSpPr>
+          <p:cNvPr id="16" name="Rectangle 15"/>
+          <p:cNvSpPr/>
+          <p:nvPr/>
+        </p:nvSpPr>
+        <p:spPr>
+          <a:xfrm>
+            <a:off x="533400" y="685800"/>
+            <a:ext cx="3352800" cy="5257800"/>
+          </a:xfrm>
+          <a:prstGeom prst="rect">
+            <a:avLst/>
+          </a:prstGeom>
+          <a:solidFill>
+            <a:schemeClr val="bg1">
+              <a:lumMod val="75000"/>
+            </a:schemeClr>
+          </a:solidFill>
+        </p:spPr>
+        <p:style>
+          <a:lnRef idx="2">
+            <a:schemeClr val="accent1">
+              <a:shade val="50000"/>
+            </a:schemeClr>
+          </a:lnRef>
+          <a:fillRef idx="1">
+            <a:schemeClr val="accent1"/>
+          </a:fillRef>
+          <a:effectRef idx="0">
+            <a:schemeClr val="accent1"/>
+          </a:effectRef>
+          <a:fontRef idx="minor">
+            <a:schemeClr val="lt1"/>
+          </a:fontRef>
+        </p:style>
+        <p:txBody>
+          <a:bodyPr rtlCol="0" anchor="ctr"/>
+          <a:lstStyle/>
+          <a:p>
+            <a:pPr algn="ctr"/>
+            <a:endParaRPr lang="en-US"/>
+          </a:p>
+        </p:txBody>
+      </p:sp>
       <p:sp>
         <p:nvSpPr>
           <p:cNvPr id="3" name="Content Placeholder 2"/>
@@ -3140,7 +3191,7 @@
         </p:nvSpPr>
         <p:spPr>
           <a:xfrm>
-            <a:off x="762000" y="685800"/>
+            <a:off x="762000" y="1371600"/>
             <a:ext cx="2895600" cy="4343400"/>
           </a:xfrm>
           <a:prstGeom prst="rect">
@@ -3186,7 +3237,7 @@
         </p:nvSpPr>
         <p:spPr>
           <a:xfrm>
-            <a:off x="990600" y="1219200"/>
+            <a:off x="990600" y="1905000"/>
             <a:ext cx="1981200" cy="609600"/>
           </a:xfrm>
           <a:prstGeom prst="rect">
@@ -3230,7 +3281,7 @@
         </p:nvSpPr>
         <p:spPr>
           <a:xfrm>
-            <a:off x="1524000" y="762000"/>
+            <a:off x="838200" y="1447800"/>
             <a:ext cx="2286000" cy="369332"/>
           </a:xfrm>
           <a:prstGeom prst="rect">
@@ -3246,7 +3297,7 @@
           <a:p>
             <a:r>
               <a:rPr lang="en-US" dirty="0" smtClean="0"/>
-              <a:t>   App</a:t>
+              <a:t>App</a:t>
             </a:r>
             <a:endParaRPr lang="en-US" dirty="0"/>
           </a:p>
@@ -3260,7 +3311,7 @@
         </p:nvSpPr>
         <p:spPr>
           <a:xfrm>
-            <a:off x="990600" y="2057400"/>
+            <a:off x="990600" y="2743200"/>
             <a:ext cx="1981200" cy="609600"/>
           </a:xfrm>
           <a:prstGeom prst="rect">
@@ -3304,7 +3355,7 @@
         </p:nvSpPr>
         <p:spPr>
           <a:xfrm>
-            <a:off x="990600" y="2895600"/>
+            <a:off x="990600" y="3581400"/>
             <a:ext cx="1981200" cy="609600"/>
           </a:xfrm>
           <a:prstGeom prst="rect">
@@ -3348,7 +3399,7 @@
         </p:nvSpPr>
         <p:spPr>
           <a:xfrm>
-            <a:off x="1828800" y="3657600"/>
+            <a:off x="1828800" y="4343400"/>
             <a:ext cx="1752600" cy="369332"/>
           </a:xfrm>
           <a:prstGeom prst="rect">
@@ -3378,7 +3429,7 @@
         </p:nvSpPr>
         <p:spPr>
           <a:xfrm>
-            <a:off x="990600" y="4191000"/>
+            <a:off x="990600" y="4876800"/>
             <a:ext cx="1981200" cy="609600"/>
           </a:xfrm>
           <a:prstGeom prst="rect">
@@ -3426,7 +3477,7 @@
         </p:nvCxnSpPr>
         <p:spPr>
           <a:xfrm rot="5400000">
-            <a:off x="1409700" y="3009900"/>
+            <a:off x="1409700" y="3695700"/>
             <a:ext cx="3581400" cy="1588"/>
           </a:xfrm>
           <a:prstGeom prst="straightConnector1">
@@ -3462,7 +3513,7 @@
         </p:nvCxnSpPr>
         <p:spPr>
           <a:xfrm rot="5400000" flipH="1" flipV="1">
-            <a:off x="1639094" y="3009106"/>
+            <a:off x="1639094" y="3694906"/>
             <a:ext cx="3581400" cy="1588"/>
           </a:xfrm>
           <a:prstGeom prst="straightConnector1">
@@ -3498,7 +3549,7 @@
         </p:nvCxnSpPr>
         <p:spPr>
           <a:xfrm>
-            <a:off x="838200" y="5257800"/>
+            <a:off x="304800" y="6325175"/>
             <a:ext cx="304800" cy="1588"/>
           </a:xfrm>
           <a:prstGeom prst="line">
@@ -3533,7 +3584,7 @@
         </p:nvCxnSpPr>
         <p:spPr>
           <a:xfrm>
-            <a:off x="838200" y="5427084"/>
+            <a:off x="304800" y="6494459"/>
             <a:ext cx="304800" cy="1588"/>
           </a:xfrm>
           <a:prstGeom prst="line">
@@ -3568,7 +3619,7 @@
         </p:nvSpPr>
         <p:spPr>
           <a:xfrm>
-            <a:off x="1107453" y="5123872"/>
+            <a:off x="574053" y="6191247"/>
             <a:ext cx="1447800" cy="276999"/>
           </a:xfrm>
           <a:prstGeom prst="rect">
@@ -3584,7 +3635,7 @@
           <a:p>
             <a:r>
               <a:rPr lang="en-US" sz="1200" dirty="0" smtClean="0"/>
-              <a:t>Starting</a:t>
+              <a:t>Starting of App</a:t>
             </a:r>
             <a:endParaRPr lang="en-US" sz="1200" dirty="0"/>
           </a:p>
@@ -3598,7 +3649,7 @@
         </p:nvSpPr>
         <p:spPr>
           <a:xfrm>
-            <a:off x="1107453" y="5285026"/>
+            <a:off x="574053" y="6352401"/>
             <a:ext cx="1447800" cy="276999"/>
           </a:xfrm>
           <a:prstGeom prst="rect">
@@ -3614,9 +3665,68 @@
           <a:p>
             <a:r>
               <a:rPr lang="en-US" sz="1200" dirty="0" smtClean="0"/>
-              <a:t>Ending</a:t>
-            </a:r>
-            <a:endParaRPr lang="en-US" sz="1200" dirty="0"/>
+              <a:t>Stopping of App</a:t>
+            </a:r>
+          </a:p>
+        </p:txBody>
+      </p:sp>
+      <p:sp>
+        <p:nvSpPr>
+          <p:cNvPr id="17" name="TextBox 16"/>
+          <p:cNvSpPr txBox="1"/>
+          <p:nvPr/>
+        </p:nvSpPr>
+        <p:spPr>
+          <a:xfrm>
+            <a:off x="685800" y="838200"/>
+            <a:ext cx="2133600" cy="381000"/>
+          </a:xfrm>
+          <a:prstGeom prst="rect">
+            <a:avLst/>
+          </a:prstGeom>
+          <a:noFill/>
+        </p:spPr>
+        <p:txBody>
+          <a:bodyPr wrap="square" rtlCol="0">
+            <a:spAutoFit/>
+          </a:bodyPr>
+          <a:lstStyle/>
+          <a:p>
+            <a:r>
+              <a:rPr lang="en-US" dirty="0" smtClean="0"/>
+              <a:t>Unity Container</a:t>
+            </a:r>
+            <a:endParaRPr lang="en-US" dirty="0"/>
+          </a:p>
+        </p:txBody>
+      </p:sp>
+      <p:sp>
+        <p:nvSpPr>
+          <p:cNvPr id="23" name="TextBox 22"/>
+          <p:cNvSpPr txBox="1"/>
+          <p:nvPr/>
+        </p:nvSpPr>
+        <p:spPr>
+          <a:xfrm>
+            <a:off x="381000" y="228600"/>
+            <a:ext cx="3200400" cy="369332"/>
+          </a:xfrm>
+          <a:prstGeom prst="rect">
+            <a:avLst/>
+          </a:prstGeom>
+          <a:noFill/>
+        </p:spPr>
+        <p:txBody>
+          <a:bodyPr wrap="square" rtlCol="0">
+            <a:spAutoFit/>
+          </a:bodyPr>
+          <a:lstStyle/>
+          <a:p>
+            <a:r>
+              <a:rPr lang="en-US" dirty="0" smtClean="0"/>
+              <a:t>AppDomain or HttpApplication</a:t>
+            </a:r>
+            <a:endParaRPr lang="en-US" dirty="0"/>
           </a:p>
         </p:txBody>
       </p:sp>
